--- a/ClassSnap.pptx
+++ b/ClassSnap.pptx
@@ -127,9 +127,10 @@
 <file path=ppt/revisionInfo.xml><?xml version="1.0" encoding="utf-8"?>
 <p1510:revInfo xmlns:a="http://schemas.openxmlformats.org/drawingml/2006/main" xmlns:r="http://schemas.openxmlformats.org/officeDocument/2006/relationships" xmlns:p1510="http://schemas.microsoft.com/office/powerpoint/2015/10/main">
   <p1510:revLst>
-    <p1510:client id="{4724FB13-E15A-451C-A5D7-09755A4704FA}" v="90" dt="2023-07-27T17:08:28.556"/>
+    <p1510:client id="{4724FB13-E15A-451C-A5D7-09755A4704FA}" v="89" dt="2023-07-27T17:06:07.229"/>
     <p1510:client id="{A3278367-1A29-40B1-8B0F-B900D1C01E08}" v="22" dt="2023-07-27T16:48:44.796"/>
     <p1510:client id="{ACD90E46-E27A-478A-B92D-5623AC5FBD4E}" v="374" dt="2023-07-27T16:39:59.116"/>
+    <p1510:client id="{DAC89C81-1356-4150-9737-4FCB90A4BD9A}" v="175" dt="2023-08-11T17:34:37.166"/>
   </p1510:revLst>
 </p1510:revInfo>
 </file>
@@ -2434,7 +2435,7 @@
         <a:lstStyle/>
         <a:p>
           <a:r>
-            <a:rPr lang="en-US" sz="1300" dirty="0"/>
+            <a:rPr lang="en-US" sz="1300"/>
             <a:t>Note-taking Challenges: Students face difficulty in taking comprehensive notes during online meetings, particularly when the speaker speaks quickly or has a strong accent, leading to incomplete or unclear information.</a:t>
           </a:r>
         </a:p>
@@ -2473,7 +2474,7 @@
         <a:lstStyle/>
         <a:p>
           <a:r>
-            <a:rPr lang="en-US" sz="1300" dirty="0"/>
+            <a:rPr lang="en-US" sz="1300"/>
             <a:t>Reviewing Material: Many students lack the time or motivation to review the materials from online meetings, resulting in poor retention and understanding of the content presented.</a:t>
           </a:r>
         </a:p>
@@ -2512,7 +2513,7 @@
         <a:lstStyle/>
         <a:p>
           <a:r>
-            <a:rPr lang="en-US" sz="1300" dirty="0"/>
+            <a:rPr lang="en-US" sz="1300"/>
             <a:t>Information Organization: Students struggle with finding and organizing relevant information and notes for each online meeting, leading to confusion and frustration when trying to access crucial details.</a:t>
           </a:r>
         </a:p>
@@ -2551,13 +2552,13 @@
         <a:lstStyle/>
         <a:p>
           <a:r>
-            <a:rPr lang="en-US" sz="1300" dirty="0">
+            <a:rPr lang="en-US" sz="1300">
               <a:latin typeface="Calibri Light" panose="020F0302020204030204"/>
             </a:rPr>
             <a:t>Lack</a:t>
           </a:r>
           <a:r>
-            <a:rPr lang="en-US" sz="1300" dirty="0"/>
+            <a:rPr lang="en-US" sz="1300"/>
             <a:t> of Interaction and Feedback: The absence of adequate feedback and interaction with the instructor and peers diminishes the sense of engagement and belonging during online learning sessions.</a:t>
           </a:r>
         </a:p>
@@ -4801,7 +4802,7 @@
             <a:buNone/>
           </a:pPr>
           <a:r>
-            <a:rPr lang="en-US" sz="1300" kern="1200" dirty="0"/>
+            <a:rPr lang="en-US" sz="1300" kern="1200"/>
             <a:t>Note-taking Challenges: Students face difficulty in taking comprehensive notes during online meetings, particularly when the speaker speaks quickly or has a strong accent, leading to incomplete or unclear information.</a:t>
           </a:r>
         </a:p>
@@ -4944,7 +4945,7 @@
             <a:buNone/>
           </a:pPr>
           <a:r>
-            <a:rPr lang="en-US" sz="1300" kern="1200" dirty="0"/>
+            <a:rPr lang="en-US" sz="1300" kern="1200"/>
             <a:t>Reviewing Material: Many students lack the time or motivation to review the materials from online meetings, resulting in poor retention and understanding of the content presented.</a:t>
           </a:r>
         </a:p>
@@ -5087,7 +5088,7 @@
             <a:buNone/>
           </a:pPr>
           <a:r>
-            <a:rPr lang="en-US" sz="1300" kern="1200" dirty="0"/>
+            <a:rPr lang="en-US" sz="1300" kern="1200"/>
             <a:t>Information Organization: Students struggle with finding and organizing relevant information and notes for each online meeting, leading to confusion and frustration when trying to access crucial details.</a:t>
           </a:r>
         </a:p>
@@ -5230,13 +5231,13 @@
             <a:buNone/>
           </a:pPr>
           <a:r>
-            <a:rPr lang="en-US" sz="1300" kern="1200" dirty="0">
+            <a:rPr lang="en-US" sz="1300" kern="1200">
               <a:latin typeface="Calibri Light" panose="020F0302020204030204"/>
             </a:rPr>
             <a:t>Lack</a:t>
           </a:r>
           <a:r>
-            <a:rPr lang="en-US" sz="1300" kern="1200" dirty="0"/>
+            <a:rPr lang="en-US" sz="1300" kern="1200"/>
             <a:t> of Interaction and Feedback: The absence of adequate feedback and interaction with the instructor and peers diminishes the sense of engagement and belonging during online learning sessions.</a:t>
           </a:r>
         </a:p>
@@ -12090,7 +12091,7 @@
           <a:p>
             <a:fld id="{5006D5FC-F2E6-431F-88E0-A552A8457D65}" type="datetimeFigureOut">
               <a:rPr lang="en-US" smtClean="0"/>
-              <a:t>7/27/2023</a:t>
+              <a:t>8/11/2023</a:t>
             </a:fld>
             <a:endParaRPr lang="en-US"/>
           </a:p>
@@ -12775,7 +12776,7 @@
           <a:p>
             <a:fld id="{C764DE79-268F-4C1A-8933-263129D2AF90}" type="datetimeFigureOut">
               <a:rPr lang="en-US" dirty="0"/>
-              <a:t>7/27/2023</a:t>
+              <a:t>8/11/2023</a:t>
             </a:fld>
             <a:endParaRPr lang="en-US"/>
           </a:p>
@@ -12943,7 +12944,7 @@
           <a:p>
             <a:fld id="{C764DE79-268F-4C1A-8933-263129D2AF90}" type="datetimeFigureOut">
               <a:rPr lang="en-US" dirty="0"/>
-              <a:t>7/27/2023</a:t>
+              <a:t>8/11/2023</a:t>
             </a:fld>
             <a:endParaRPr lang="en-US"/>
           </a:p>
@@ -13121,7 +13122,7 @@
           <a:p>
             <a:fld id="{C764DE79-268F-4C1A-8933-263129D2AF90}" type="datetimeFigureOut">
               <a:rPr lang="en-US" dirty="0"/>
-              <a:t>7/27/2023</a:t>
+              <a:t>8/11/2023</a:t>
             </a:fld>
             <a:endParaRPr lang="en-US"/>
           </a:p>
@@ -13289,7 +13290,7 @@
           <a:p>
             <a:fld id="{C764DE79-268F-4C1A-8933-263129D2AF90}" type="datetimeFigureOut">
               <a:rPr lang="en-US" dirty="0"/>
-              <a:t>7/27/2023</a:t>
+              <a:t>8/11/2023</a:t>
             </a:fld>
             <a:endParaRPr lang="en-US"/>
           </a:p>
@@ -13534,7 +13535,7 @@
           <a:p>
             <a:fld id="{C764DE79-268F-4C1A-8933-263129D2AF90}" type="datetimeFigureOut">
               <a:rPr lang="en-US" dirty="0"/>
-              <a:t>7/27/2023</a:t>
+              <a:t>8/11/2023</a:t>
             </a:fld>
             <a:endParaRPr lang="en-US"/>
           </a:p>
@@ -13763,7 +13764,7 @@
           <a:p>
             <a:fld id="{C764DE79-268F-4C1A-8933-263129D2AF90}" type="datetimeFigureOut">
               <a:rPr lang="en-US" dirty="0"/>
-              <a:t>7/27/2023</a:t>
+              <a:t>8/11/2023</a:t>
             </a:fld>
             <a:endParaRPr lang="en-US"/>
           </a:p>
@@ -14127,7 +14128,7 @@
           <a:p>
             <a:fld id="{C764DE79-268F-4C1A-8933-263129D2AF90}" type="datetimeFigureOut">
               <a:rPr lang="en-US" dirty="0"/>
-              <a:t>7/27/2023</a:t>
+              <a:t>8/11/2023</a:t>
             </a:fld>
             <a:endParaRPr lang="en-US"/>
           </a:p>
@@ -14244,7 +14245,7 @@
           <a:p>
             <a:fld id="{C764DE79-268F-4C1A-8933-263129D2AF90}" type="datetimeFigureOut">
               <a:rPr lang="en-US" dirty="0"/>
-              <a:t>7/27/2023</a:t>
+              <a:t>8/11/2023</a:t>
             </a:fld>
             <a:endParaRPr lang="en-US"/>
           </a:p>
@@ -14339,7 +14340,7 @@
           <a:p>
             <a:fld id="{C764DE79-268F-4C1A-8933-263129D2AF90}" type="datetimeFigureOut">
               <a:rPr lang="en-US" dirty="0"/>
-              <a:t>7/27/2023</a:t>
+              <a:t>8/11/2023</a:t>
             </a:fld>
             <a:endParaRPr lang="en-US"/>
           </a:p>
@@ -14614,7 +14615,7 @@
           <a:p>
             <a:fld id="{C764DE79-268F-4C1A-8933-263129D2AF90}" type="datetimeFigureOut">
               <a:rPr lang="en-US" dirty="0"/>
-              <a:t>7/27/2023</a:t>
+              <a:t>8/11/2023</a:t>
             </a:fld>
             <a:endParaRPr lang="en-US"/>
           </a:p>
@@ -14866,7 +14867,7 @@
           <a:p>
             <a:fld id="{C764DE79-268F-4C1A-8933-263129D2AF90}" type="datetimeFigureOut">
               <a:rPr lang="en-US" dirty="0"/>
-              <a:t>7/27/2023</a:t>
+              <a:t>8/11/2023</a:t>
             </a:fld>
             <a:endParaRPr lang="en-US"/>
           </a:p>
@@ -15077,7 +15078,7 @@
           <a:p>
             <a:fld id="{C764DE79-268F-4C1A-8933-263129D2AF90}" type="datetimeFigureOut">
               <a:rPr lang="en-US" dirty="0"/>
-              <a:t>7/27/2023</a:t>
+              <a:t>8/11/2023</a:t>
             </a:fld>
             <a:endParaRPr lang="en-US"/>
           </a:p>
@@ -15525,7 +15526,7 @@
           <a:lstStyle/>
           <a:p>
             <a:pPr algn="ctr"/>
-            <a:endParaRPr lang="en-US" dirty="0"/>
+            <a:endParaRPr lang="en-US"/>
           </a:p>
         </p:txBody>
       </p:sp>
@@ -15560,7 +15561,7 @@
               <a:defRPr/>
             </a:pPr>
             <a:r>
-              <a:rPr lang="en-US" sz="1500" b="1" dirty="0">
+              <a:rPr lang="en-US" sz="1500" b="1">
                 <a:solidFill>
                   <a:srgbClr val="C00000"/>
                 </a:solidFill>
@@ -15588,7 +15589,7 @@
               <a:defRPr/>
             </a:pPr>
             <a:r>
-              <a:rPr lang="en-US" sz="1500" b="1" cap="all" dirty="0">
+              <a:rPr lang="en-US" sz="1500" b="1" cap="all">
                 <a:solidFill>
                   <a:srgbClr val="002060"/>
                 </a:solidFill>
@@ -15609,7 +15610,7 @@
               <a:defRPr/>
             </a:pPr>
             <a:r>
-              <a:rPr lang="en-US" sz="1500" b="1" cap="all" dirty="0">
+              <a:rPr lang="en-US" sz="1500" b="1" cap="all">
                 <a:solidFill>
                   <a:srgbClr val="002060"/>
                 </a:solidFill>
@@ -15619,7 +15620,7 @@
               <a:t>Gautam </a:t>
             </a:r>
             <a:r>
-              <a:rPr lang="en-US" sz="1500" b="1" cap="all" dirty="0" err="1">
+              <a:rPr lang="en-US" sz="1500" b="1" cap="all" err="1">
                 <a:solidFill>
                   <a:srgbClr val="002060"/>
                 </a:solidFill>
@@ -15629,7 +15630,7 @@
               <a:t>Shorewala</a:t>
             </a:r>
             <a:r>
-              <a:rPr lang="en-US" sz="1500" b="1" cap="all" dirty="0">
+              <a:rPr lang="en-US" sz="1500" b="1" cap="all">
                 <a:solidFill>
                   <a:srgbClr val="002060"/>
                 </a:solidFill>
@@ -15650,7 +15651,7 @@
               <a:defRPr/>
             </a:pPr>
             <a:r>
-              <a:rPr lang="en-US" sz="1500" b="1" cap="all" dirty="0" err="1">
+              <a:rPr lang="en-US" sz="1500" b="1" cap="all" err="1">
                 <a:solidFill>
                   <a:srgbClr val="002060"/>
                 </a:solidFill>
@@ -15660,7 +15661,7 @@
               <a:t>Shashwat</a:t>
             </a:r>
             <a:r>
-              <a:rPr lang="en-US" sz="1500" b="1" cap="all" dirty="0">
+              <a:rPr lang="en-US" sz="1500" b="1" cap="all">
                 <a:solidFill>
                   <a:srgbClr val="002060"/>
                 </a:solidFill>
@@ -15681,7 +15682,7 @@
               <a:defRPr/>
             </a:pPr>
             <a:r>
-              <a:rPr lang="en-US" sz="1500" b="1" cap="all" dirty="0">
+              <a:rPr lang="en-US" sz="1500" b="1" cap="all">
                 <a:solidFill>
                   <a:srgbClr val="002060"/>
                 </a:solidFill>
@@ -15790,7 +15791,7 @@
               <a:buSzPct val="85000"/>
               <a:defRPr/>
             </a:pPr>
-            <a:endParaRPr lang="en-US" sz="1500" b="1" dirty="0">
+            <a:endParaRPr lang="en-US" sz="1500" b="1">
               <a:solidFill>
                 <a:srgbClr val="C00000"/>
               </a:solidFill>
@@ -15816,7 +15817,7 @@
               <a:buSzPct val="85000"/>
               <a:defRPr/>
             </a:pPr>
-            <a:endParaRPr lang="en-US" sz="1500" b="1" dirty="0">
+            <a:endParaRPr lang="en-US" sz="1500" b="1">
               <a:solidFill>
                 <a:srgbClr val="C00000"/>
               </a:solidFill>
@@ -15843,7 +15844,7 @@
               <a:defRPr/>
             </a:pPr>
             <a:r>
-              <a:rPr lang="en-US" sz="1500" b="1" dirty="0">
+              <a:rPr lang="en-US" sz="1500" b="1">
                 <a:solidFill>
                   <a:srgbClr val="C00000"/>
                 </a:solidFill>
@@ -15875,7 +15876,7 @@
               <a:defRPr/>
             </a:pPr>
             <a:r>
-              <a:rPr lang="en-US" sz="1500" b="1" dirty="0">
+              <a:rPr lang="en-US" sz="1500" b="1">
                 <a:solidFill>
                   <a:srgbClr val="C00000"/>
                 </a:solidFill>
@@ -15904,7 +15905,7 @@
               <a:defRPr/>
             </a:pPr>
             <a:r>
-              <a:rPr lang="en-US" sz="1500" b="1" dirty="0">
+              <a:rPr lang="en-US" sz="1500" b="1">
                 <a:solidFill>
                   <a:srgbClr val="C00000"/>
                 </a:solidFill>
@@ -15932,7 +15933,7 @@
               <a:buSzPct val="85000"/>
               <a:defRPr/>
             </a:pPr>
-            <a:endParaRPr lang="en-US" sz="1500" b="1" dirty="0">
+            <a:endParaRPr lang="en-US" sz="1500" b="1">
               <a:solidFill>
                 <a:srgbClr val="C00000"/>
               </a:solidFill>
@@ -15980,7 +15981,7 @@
               <a:defRPr/>
             </a:pPr>
             <a:r>
-              <a:rPr lang="en-IN" sz="2800" dirty="0">
+              <a:rPr lang="en-IN" sz="2800">
                 <a:solidFill>
                   <a:schemeClr val="tx2">
                     <a:lumMod val="50000"/>
@@ -15995,7 +15996,7 @@
               <a:defRPr/>
             </a:pPr>
             <a:r>
-              <a:rPr lang="en-IN" sz="1600" dirty="0"/>
+              <a:rPr lang="en-IN" sz="1600"/>
               <a:t>(An Autonomous Institute affiliated to VTU)</a:t>
             </a:r>
           </a:p>
@@ -16003,7 +16004,7 @@
             <a:pPr algn="ctr">
               <a:defRPr/>
             </a:pPr>
-            <a:endParaRPr lang="en-IN" sz="1600" b="1" dirty="0">
+            <a:endParaRPr lang="en-IN" sz="1600" b="1">
               <a:effectLst>
                 <a:outerShdw blurRad="38100" dist="25400" dir="5400000" algn="tl" rotWithShape="0">
                   <a:srgbClr val="000000">
@@ -16020,7 +16021,7 @@
               <a:defRPr/>
             </a:pPr>
             <a:r>
-              <a:rPr lang="en-IN" sz="2400" dirty="0"/>
+              <a:rPr lang="en-IN" sz="2400"/>
               <a:t>Department of Computer Science and Engineering</a:t>
             </a:r>
           </a:p>
@@ -16028,7 +16029,7 @@
             <a:pPr algn="ctr">
               <a:defRPr/>
             </a:pPr>
-            <a:endParaRPr lang="en-IN" sz="1500" b="1" dirty="0">
+            <a:endParaRPr lang="en-IN" sz="1500" b="1">
               <a:effectLst>
                 <a:outerShdw blurRad="38100" dist="25400" dir="5400000" algn="tl" rotWithShape="0">
                   <a:srgbClr val="000000">
@@ -16072,7 +16073,7 @@
             <a:pPr algn="ctr">
               <a:defRPr/>
             </a:pPr>
-            <a:endParaRPr lang="en-US" sz="2400" b="1" dirty="0">
+            <a:endParaRPr lang="en-US" sz="2400" b="1">
               <a:solidFill>
                 <a:srgbClr val="C00000"/>
               </a:solidFill>
@@ -16730,9 +16731,9 @@
           <a:p>
             <a:pPr algn="ctr"/>
             <a:r>
-              <a:rPr lang="en-US" sz="7200" b="1" kern="1200" dirty="0">
+              <a:rPr lang="en-US" sz="7200" kern="1200">
                 <a:solidFill>
-                  <a:srgbClr val="4472C4"/>
+                  <a:schemeClr val="tx1"/>
                 </a:solidFill>
                 <a:latin typeface="+mj-lt"/>
                 <a:ea typeface="+mj-ea"/>
@@ -16903,7 +16904,7 @@
           <a:p>
             <a:pPr eaLnBrk="1" hangingPunct="1"/>
             <a:r>
-              <a:rPr lang="en-US" sz="5400" b="1" dirty="0">
+              <a:rPr lang="en-US" sz="5400" b="1">
                 <a:solidFill>
                   <a:schemeClr val="accent1"/>
                 </a:solidFill>
@@ -16912,7 +16913,7 @@
               </a:rPr>
               <a:t>Agenda</a:t>
             </a:r>
-            <a:endParaRPr lang="en-US" altLang="en-US" sz="5400" b="1" dirty="0">
+            <a:endParaRPr lang="en-US" altLang="en-US" sz="5400" b="1">
               <a:latin typeface="Times New Roman" panose="02020603050405020304" pitchFamily="18" charset="0"/>
               <a:cs typeface="Times New Roman" panose="02020603050405020304" pitchFamily="18" charset="0"/>
             </a:endParaRPr>
@@ -16949,7 +16950,7 @@
           <a:p>
             <a:pPr eaLnBrk="1" hangingPunct="1"/>
             <a:r>
-              <a:rPr lang="en-US" altLang="en-US" sz="2000" dirty="0">
+              <a:rPr lang="en-US" altLang="en-US" sz="2000">
                 <a:latin typeface="Times New Roman" panose="02020603050405020304" pitchFamily="18" charset="0"/>
                 <a:cs typeface="Times New Roman" panose="02020603050405020304" pitchFamily="18" charset="0"/>
               </a:rPr>
@@ -16959,7 +16960,7 @@
           <a:p>
             <a:pPr eaLnBrk="1" hangingPunct="1"/>
             <a:r>
-              <a:rPr lang="en-US" altLang="en-US" sz="2000" dirty="0">
+              <a:rPr lang="en-US" altLang="en-US" sz="2000">
                 <a:latin typeface="Times New Roman" panose="02020603050405020304" pitchFamily="18" charset="0"/>
                 <a:cs typeface="Times New Roman" panose="02020603050405020304" pitchFamily="18" charset="0"/>
               </a:rPr>
@@ -16969,7 +16970,7 @@
           <a:p>
             <a:pPr eaLnBrk="1" hangingPunct="1"/>
             <a:r>
-              <a:rPr lang="en-US" altLang="en-US" sz="2000" dirty="0">
+              <a:rPr lang="en-US" altLang="en-US" sz="2000">
                 <a:latin typeface="Times New Roman" panose="02020603050405020304" pitchFamily="18" charset="0"/>
                 <a:cs typeface="Times New Roman" panose="02020603050405020304" pitchFamily="18" charset="0"/>
               </a:rPr>
@@ -16979,7 +16980,7 @@
           <a:p>
             <a:pPr eaLnBrk="1" hangingPunct="1"/>
             <a:r>
-              <a:rPr lang="en-US" altLang="en-US" sz="2000" dirty="0">
+              <a:rPr lang="en-US" altLang="en-US" sz="2000">
                 <a:latin typeface="Times New Roman" panose="02020603050405020304" pitchFamily="18" charset="0"/>
                 <a:cs typeface="Times New Roman" panose="02020603050405020304" pitchFamily="18" charset="0"/>
               </a:rPr>
@@ -16989,7 +16990,7 @@
           <a:p>
             <a:pPr eaLnBrk="1" hangingPunct="1"/>
             <a:r>
-              <a:rPr lang="en-US" altLang="en-US" sz="2000" dirty="0">
+              <a:rPr lang="en-US" altLang="en-US" sz="2000">
                 <a:latin typeface="Times New Roman" panose="02020603050405020304" pitchFamily="18" charset="0"/>
                 <a:cs typeface="Times New Roman" panose="02020603050405020304" pitchFamily="18" charset="0"/>
               </a:rPr>
@@ -16999,7 +17000,7 @@
           <a:p>
             <a:pPr eaLnBrk="1" hangingPunct="1"/>
             <a:r>
-              <a:rPr lang="en-US" altLang="en-US" sz="2000" dirty="0">
+              <a:rPr lang="en-US" altLang="en-US" sz="2000">
                 <a:latin typeface="Times New Roman" panose="02020603050405020304" pitchFamily="18" charset="0"/>
                 <a:cs typeface="Times New Roman" panose="02020603050405020304" pitchFamily="18" charset="0"/>
               </a:rPr>
@@ -17008,21 +17009,21 @@
           </a:p>
           <a:p>
             <a:pPr eaLnBrk="1" hangingPunct="1"/>
-            <a:endParaRPr lang="en-US" altLang="en-US" sz="2000" dirty="0">
+            <a:endParaRPr lang="en-US" altLang="en-US" sz="2000">
               <a:latin typeface="Times New Roman" panose="02020603050405020304" pitchFamily="18" charset="0"/>
               <a:cs typeface="Times New Roman" panose="02020603050405020304" pitchFamily="18" charset="0"/>
             </a:endParaRPr>
           </a:p>
           <a:p>
             <a:pPr eaLnBrk="1" hangingPunct="1"/>
-            <a:endParaRPr lang="en-US" altLang="en-US" sz="2000" dirty="0">
+            <a:endParaRPr lang="en-US" altLang="en-US" sz="2000">
               <a:latin typeface="Times New Roman" panose="02020603050405020304" pitchFamily="18" charset="0"/>
               <a:cs typeface="Times New Roman" panose="02020603050405020304" pitchFamily="18" charset="0"/>
             </a:endParaRPr>
           </a:p>
           <a:p>
             <a:pPr eaLnBrk="1" hangingPunct="1"/>
-            <a:endParaRPr lang="en-US" altLang="en-US" sz="2000" dirty="0">
+            <a:endParaRPr lang="en-US" altLang="en-US" sz="2000">
               <a:latin typeface="Arial" panose="020B0604020202020204" pitchFamily="34" charset="0"/>
               <a:cs typeface="Arial" panose="020B0604020202020204" pitchFamily="34" charset="0"/>
             </a:endParaRPr>
@@ -17117,7 +17118,7 @@
           <a:lstStyle/>
           <a:p>
             <a:r>
-              <a:rPr lang="en-US" sz="5400" b="1" dirty="0">
+              <a:rPr lang="en-US" sz="5400" b="1">
                 <a:solidFill>
                   <a:schemeClr val="accent1"/>
                 </a:solidFill>
@@ -17126,7 +17127,7 @@
               </a:rPr>
               <a:t>Introduction</a:t>
             </a:r>
-            <a:endParaRPr lang="en-IN" sz="5400" dirty="0"/>
+            <a:endParaRPr lang="en-IN" sz="5400"/>
           </a:p>
         </p:txBody>
       </p:sp>
@@ -17162,35 +17163,35 @@
               <a:buNone/>
             </a:pPr>
             <a:r>
-              <a:rPr lang="en-US" sz="2600" dirty="0">
+              <a:rPr lang="en-US" sz="2600">
                 <a:ea typeface="+mn-lt"/>
                 <a:cs typeface="+mn-lt"/>
               </a:rPr>
               <a:t> </a:t>
             </a:r>
             <a:r>
-              <a:rPr lang="en-US" sz="2600" b="1" dirty="0">
+              <a:rPr lang="en-US" sz="2600" b="1">
                 <a:ea typeface="+mn-lt"/>
                 <a:cs typeface="+mn-lt"/>
               </a:rPr>
               <a:t>ClassSnap </a:t>
             </a:r>
             <a:r>
-              <a:rPr lang="en-US" sz="2600" dirty="0">
+              <a:rPr lang="en-US" sz="2600">
                 <a:ea typeface="+mn-lt"/>
                 <a:cs typeface="+mn-lt"/>
               </a:rPr>
               <a:t>is an innovative web application that leverages Machine Learning algorithms to perform intelligent summarization of online meetings conducted on platforms like Google Meet. By automating the note-taking process, </a:t>
             </a:r>
             <a:r>
-              <a:rPr lang="en-US" sz="2600" b="1" dirty="0">
+              <a:rPr lang="en-US" sz="2600" b="1">
                 <a:ea typeface="+mn-lt"/>
                 <a:cs typeface="+mn-lt"/>
               </a:rPr>
               <a:t>ClassSnap </a:t>
             </a:r>
             <a:r>
-              <a:rPr lang="en-US" sz="2600" dirty="0">
+              <a:rPr lang="en-US" sz="2600">
                 <a:ea typeface="+mn-lt"/>
                 <a:cs typeface="+mn-lt"/>
               </a:rPr>
@@ -17201,7 +17202,7 @@
             <a:pPr algn="just">
               <a:buNone/>
             </a:pPr>
-            <a:endParaRPr lang="en-IN" sz="2600" dirty="0">
+            <a:endParaRPr lang="en-IN" sz="2600">
               <a:ea typeface="+mn-lt"/>
               <a:cs typeface="+mn-lt"/>
             </a:endParaRPr>
@@ -17246,6 +17247,628 @@
           <a:chExt cx="0" cy="0"/>
         </a:xfrm>
       </p:grpSpPr>
+      <p:sp useBgFill="1">
+        <p:nvSpPr>
+          <p:cNvPr id="33" name="Rectangle 32">
+            <a:extLst>
+              <a:ext uri="{FF2B5EF4-FFF2-40B4-BE49-F238E27FC236}">
+                <a16:creationId xmlns:a16="http://schemas.microsoft.com/office/drawing/2014/main" id="{09588DA8-065E-4F6F-8EFD-43104AB2E0CF}"/>
+              </a:ext>
+              <a:ext uri="{C183D7F6-B498-43B3-948B-1728B52AA6E4}">
+                <adec:decorative xmlns:adec="http://schemas.microsoft.com/office/drawing/2017/decorative" val="1"/>
+              </a:ext>
+            </a:extLst>
+          </p:cNvPr>
+          <p:cNvSpPr>
+            <a:spLocks noGrp="1" noRot="1" noChangeAspect="1" noMove="1" noResize="1" noEditPoints="1" noAdjustHandles="1" noChangeArrowheads="1" noChangeShapeType="1" noTextEdit="1"/>
+          </p:cNvSpPr>
+          <p:nvPr>
+            <p:extLst>
+              <p:ext uri="{386F3935-93C4-4BCD-93E2-E3B085C9AB24}">
+                <p16:designElem xmlns:p16="http://schemas.microsoft.com/office/powerpoint/2015/main" val="1"/>
+              </p:ext>
+            </p:extLst>
+          </p:nvPr>
+        </p:nvSpPr>
+        <p:spPr>
+          <a:xfrm>
+            <a:off x="0" y="0"/>
+            <a:ext cx="12192000" cy="6858000"/>
+          </a:xfrm>
+          <a:prstGeom prst="rect">
+            <a:avLst/>
+          </a:prstGeom>
+          <a:ln w="12700" cap="flat" cmpd="sng" algn="ctr">
+            <a:noFill/>
+            <a:prstDash val="solid"/>
+            <a:miter lim="800000"/>
+          </a:ln>
+          <a:effectLst/>
+          <a:extLst>
+            <a:ext uri="{91240B29-F687-4F45-9708-019B960494DF}">
+              <a14:hiddenLine xmlns:a14="http://schemas.microsoft.com/office/drawing/2010/main" w="12700" cap="flat" cmpd="sng" algn="ctr">
+                <a:solidFill>
+                  <a:schemeClr val="accent1">
+                    <a:shade val="50000"/>
+                  </a:schemeClr>
+                </a:solidFill>
+                <a:prstDash val="solid"/>
+                <a:miter lim="800000"/>
+              </a14:hiddenLine>
+            </a:ext>
+          </a:extLst>
+        </p:spPr>
+        <p:style>
+          <a:lnRef idx="2">
+            <a:schemeClr val="accent1">
+              <a:shade val="50000"/>
+            </a:schemeClr>
+          </a:lnRef>
+          <a:fillRef idx="1">
+            <a:schemeClr val="accent1"/>
+          </a:fillRef>
+          <a:effectRef idx="0">
+            <a:schemeClr val="accent1"/>
+          </a:effectRef>
+          <a:fontRef idx="minor">
+            <a:schemeClr val="lt1"/>
+          </a:fontRef>
+        </p:style>
+        <p:txBody>
+          <a:bodyPr rtlCol="0" anchor="ctr"/>
+          <a:lstStyle/>
+          <a:p>
+            <a:pPr algn="ctr"/>
+            <a:endParaRPr lang="en-US"/>
+          </a:p>
+        </p:txBody>
+      </p:sp>
+      <p:sp useBgFill="1">
+        <p:nvSpPr>
+          <p:cNvPr id="35" name="Rectangle 34">
+            <a:extLst>
+              <a:ext uri="{FF2B5EF4-FFF2-40B4-BE49-F238E27FC236}">
+                <a16:creationId xmlns:a16="http://schemas.microsoft.com/office/drawing/2014/main" id="{C4285719-470E-454C-AF62-8323075F1F5B}"/>
+              </a:ext>
+              <a:ext uri="{C183D7F6-B498-43B3-948B-1728B52AA6E4}">
+                <adec:decorative xmlns:adec="http://schemas.microsoft.com/office/drawing/2017/decorative" val="1"/>
+              </a:ext>
+            </a:extLst>
+          </p:cNvPr>
+          <p:cNvSpPr>
+            <a:spLocks noGrp="1" noRot="1" noChangeAspect="1" noMove="1" noResize="1" noEditPoints="1" noAdjustHandles="1" noChangeArrowheads="1" noChangeShapeType="1" noTextEdit="1"/>
+          </p:cNvSpPr>
+          <p:nvPr>
+            <p:extLst>
+              <p:ext uri="{386F3935-93C4-4BCD-93E2-E3B085C9AB24}">
+                <p16:designElem xmlns:p16="http://schemas.microsoft.com/office/powerpoint/2015/main" val="1"/>
+              </p:ext>
+            </p:extLst>
+          </p:nvPr>
+        </p:nvSpPr>
+        <p:spPr>
+          <a:xfrm>
+            <a:off x="0" y="0"/>
+            <a:ext cx="12188952" cy="6858000"/>
+          </a:xfrm>
+          <a:prstGeom prst="rect">
+            <a:avLst/>
+          </a:prstGeom>
+          <a:ln w="12700" cap="flat" cmpd="sng" algn="ctr">
+            <a:noFill/>
+            <a:prstDash val="solid"/>
+            <a:miter lim="800000"/>
+          </a:ln>
+          <a:effectLst/>
+          <a:extLst>
+            <a:ext uri="{91240B29-F687-4F45-9708-019B960494DF}">
+              <a14:hiddenLine xmlns:a14="http://schemas.microsoft.com/office/drawing/2010/main" w="12700" cap="flat" cmpd="sng" algn="ctr">
+                <a:solidFill>
+                  <a:schemeClr val="accent1">
+                    <a:shade val="50000"/>
+                  </a:schemeClr>
+                </a:solidFill>
+                <a:prstDash val="solid"/>
+                <a:miter lim="800000"/>
+              </a14:hiddenLine>
+            </a:ext>
+          </a:extLst>
+        </p:spPr>
+        <p:style>
+          <a:lnRef idx="2">
+            <a:schemeClr val="accent1">
+              <a:shade val="50000"/>
+            </a:schemeClr>
+          </a:lnRef>
+          <a:fillRef idx="1">
+            <a:schemeClr val="accent1"/>
+          </a:fillRef>
+          <a:effectRef idx="0">
+            <a:schemeClr val="accent1"/>
+          </a:effectRef>
+          <a:fontRef idx="minor">
+            <a:schemeClr val="lt1"/>
+          </a:fontRef>
+        </p:style>
+        <p:txBody>
+          <a:bodyPr rtlCol="0" anchor="ctr"/>
+          <a:lstStyle/>
+          <a:p>
+            <a:pPr algn="ctr"/>
+            <a:endParaRPr lang="en-US"/>
+          </a:p>
+        </p:txBody>
+      </p:sp>
+      <p:sp>
+        <p:nvSpPr>
+          <p:cNvPr id="37" name="Rectangle 36">
+            <a:extLst>
+              <a:ext uri="{FF2B5EF4-FFF2-40B4-BE49-F238E27FC236}">
+                <a16:creationId xmlns:a16="http://schemas.microsoft.com/office/drawing/2014/main" id="{CD9FE4EF-C4D8-49A0-B2FF-81D8DB7D8A24}"/>
+              </a:ext>
+              <a:ext uri="{C183D7F6-B498-43B3-948B-1728B52AA6E4}">
+                <adec:decorative xmlns:adec="http://schemas.microsoft.com/office/drawing/2017/decorative" val="1"/>
+              </a:ext>
+            </a:extLst>
+          </p:cNvPr>
+          <p:cNvSpPr>
+            <a:spLocks noGrp="1" noRot="1" noChangeAspect="1" noMove="1" noResize="1" noEditPoints="1" noAdjustHandles="1" noChangeArrowheads="1" noChangeShapeType="1" noTextEdit="1"/>
+          </p:cNvSpPr>
+          <p:nvPr>
+            <p:extLst>
+              <p:ext uri="{386F3935-93C4-4BCD-93E2-E3B085C9AB24}">
+                <p16:designElem xmlns:p16="http://schemas.microsoft.com/office/powerpoint/2015/main" val="1"/>
+              </p:ext>
+            </p:extLst>
+          </p:nvPr>
+        </p:nvSpPr>
+        <p:spPr>
+          <a:xfrm rot="5400000" flipH="1">
+            <a:off x="-1410084" y="1410082"/>
+            <a:ext cx="6858000" cy="4037836"/>
+          </a:xfrm>
+          <a:prstGeom prst="rect">
+            <a:avLst/>
+          </a:prstGeom>
+          <a:gradFill>
+            <a:gsLst>
+              <a:gs pos="8000">
+                <a:srgbClr val="000000"/>
+              </a:gs>
+              <a:gs pos="100000">
+                <a:schemeClr val="accent1">
+                  <a:lumMod val="75000"/>
+                </a:schemeClr>
+              </a:gs>
+            </a:gsLst>
+            <a:lin ang="3000000" scaled="0"/>
+          </a:gradFill>
+          <a:ln>
+            <a:noFill/>
+          </a:ln>
+        </p:spPr>
+        <p:style>
+          <a:lnRef idx="2">
+            <a:schemeClr val="accent1">
+              <a:shade val="50000"/>
+            </a:schemeClr>
+          </a:lnRef>
+          <a:fillRef idx="1">
+            <a:schemeClr val="accent1"/>
+          </a:fillRef>
+          <a:effectRef idx="0">
+            <a:schemeClr val="accent1"/>
+          </a:effectRef>
+          <a:fontRef idx="minor">
+            <a:schemeClr val="lt1"/>
+          </a:fontRef>
+        </p:style>
+        <p:txBody>
+          <a:bodyPr rtlCol="0" anchor="ctr"/>
+          <a:lstStyle/>
+          <a:p>
+            <a:pPr algn="ctr"/>
+            <a:endParaRPr lang="en-US"/>
+          </a:p>
+        </p:txBody>
+      </p:sp>
+      <p:sp>
+        <p:nvSpPr>
+          <p:cNvPr id="39" name="Rectangle 38">
+            <a:extLst>
+              <a:ext uri="{FF2B5EF4-FFF2-40B4-BE49-F238E27FC236}">
+                <a16:creationId xmlns:a16="http://schemas.microsoft.com/office/drawing/2014/main" id="{4300840D-0A0B-4512-BACA-B439D5B9C57C}"/>
+              </a:ext>
+              <a:ext uri="{C183D7F6-B498-43B3-948B-1728B52AA6E4}">
+                <adec:decorative xmlns:adec="http://schemas.microsoft.com/office/drawing/2017/decorative" val="1"/>
+              </a:ext>
+            </a:extLst>
+          </p:cNvPr>
+          <p:cNvSpPr>
+            <a:spLocks noGrp="1" noRot="1" noChangeAspect="1" noMove="1" noResize="1" noEditPoints="1" noAdjustHandles="1" noChangeArrowheads="1" noChangeShapeType="1" noTextEdit="1"/>
+          </p:cNvSpPr>
+          <p:nvPr>
+            <p:extLst>
+              <p:ext uri="{386F3935-93C4-4BCD-93E2-E3B085C9AB24}">
+                <p16:designElem xmlns:p16="http://schemas.microsoft.com/office/powerpoint/2015/main" val="1"/>
+              </p:ext>
+            </p:extLst>
+          </p:nvPr>
+        </p:nvSpPr>
+        <p:spPr>
+          <a:xfrm rot="5400000" flipH="1">
+            <a:off x="-1410085" y="1420219"/>
+            <a:ext cx="6857999" cy="4037839"/>
+          </a:xfrm>
+          <a:prstGeom prst="rect">
+            <a:avLst/>
+          </a:prstGeom>
+          <a:gradFill>
+            <a:gsLst>
+              <a:gs pos="0">
+                <a:srgbClr val="000000">
+                  <a:alpha val="0"/>
+                </a:srgbClr>
+              </a:gs>
+              <a:gs pos="99000">
+                <a:schemeClr val="accent1">
+                  <a:alpha val="46000"/>
+                </a:schemeClr>
+              </a:gs>
+            </a:gsLst>
+            <a:lin ang="1800000" scaled="0"/>
+          </a:gradFill>
+          <a:ln>
+            <a:noFill/>
+          </a:ln>
+        </p:spPr>
+        <p:style>
+          <a:lnRef idx="2">
+            <a:schemeClr val="accent1">
+              <a:shade val="50000"/>
+            </a:schemeClr>
+          </a:lnRef>
+          <a:fillRef idx="1">
+            <a:schemeClr val="accent1"/>
+          </a:fillRef>
+          <a:effectRef idx="0">
+            <a:schemeClr val="accent1"/>
+          </a:effectRef>
+          <a:fontRef idx="minor">
+            <a:schemeClr val="lt1"/>
+          </a:fontRef>
+        </p:style>
+        <p:txBody>
+          <a:bodyPr rtlCol="0" anchor="ctr"/>
+          <a:lstStyle/>
+          <a:p>
+            <a:pPr algn="ctr"/>
+            <a:endParaRPr lang="en-US"/>
+          </a:p>
+        </p:txBody>
+      </p:sp>
+      <p:sp>
+        <p:nvSpPr>
+          <p:cNvPr id="41" name="Rectangle 40">
+            <a:extLst>
+              <a:ext uri="{FF2B5EF4-FFF2-40B4-BE49-F238E27FC236}">
+                <a16:creationId xmlns:a16="http://schemas.microsoft.com/office/drawing/2014/main" id="{D2B78728-A580-49A7-84F9-6EF6F583ADE0}"/>
+              </a:ext>
+              <a:ext uri="{C183D7F6-B498-43B3-948B-1728B52AA6E4}">
+                <adec:decorative xmlns:adec="http://schemas.microsoft.com/office/drawing/2017/decorative" val="1"/>
+              </a:ext>
+            </a:extLst>
+          </p:cNvPr>
+          <p:cNvSpPr>
+            <a:spLocks noGrp="1" noRot="1" noChangeAspect="1" noMove="1" noResize="1" noEditPoints="1" noAdjustHandles="1" noChangeArrowheads="1" noChangeShapeType="1" noTextEdit="1"/>
+          </p:cNvSpPr>
+          <p:nvPr>
+            <p:extLst>
+              <p:ext uri="{386F3935-93C4-4BCD-93E2-E3B085C9AB24}">
+                <p16:designElem xmlns:p16="http://schemas.microsoft.com/office/powerpoint/2015/main" val="1"/>
+              </p:ext>
+            </p:extLst>
+          </p:nvPr>
+        </p:nvSpPr>
+        <p:spPr>
+          <a:xfrm rot="5400000" flipH="1">
+            <a:off x="767923" y="3588085"/>
+            <a:ext cx="2501979" cy="4037841"/>
+          </a:xfrm>
+          <a:prstGeom prst="rect">
+            <a:avLst/>
+          </a:prstGeom>
+          <a:gradFill>
+            <a:gsLst>
+              <a:gs pos="2000">
+                <a:schemeClr val="accent1">
+                  <a:alpha val="29000"/>
+                </a:schemeClr>
+              </a:gs>
+              <a:gs pos="100000">
+                <a:srgbClr val="000000">
+                  <a:alpha val="30000"/>
+                </a:srgbClr>
+              </a:gs>
+            </a:gsLst>
+            <a:lin ang="7800000" scaled="0"/>
+          </a:gradFill>
+          <a:ln>
+            <a:noFill/>
+          </a:ln>
+        </p:spPr>
+        <p:style>
+          <a:lnRef idx="2">
+            <a:schemeClr val="accent1">
+              <a:shade val="50000"/>
+            </a:schemeClr>
+          </a:lnRef>
+          <a:fillRef idx="1">
+            <a:schemeClr val="accent1"/>
+          </a:fillRef>
+          <a:effectRef idx="0">
+            <a:schemeClr val="accent1"/>
+          </a:effectRef>
+          <a:fontRef idx="minor">
+            <a:schemeClr val="lt1"/>
+          </a:fontRef>
+        </p:style>
+        <p:txBody>
+          <a:bodyPr rtlCol="0" anchor="ctr"/>
+          <a:lstStyle/>
+          <a:p>
+            <a:pPr algn="ctr"/>
+            <a:endParaRPr lang="en-US" dirty="0"/>
+          </a:p>
+        </p:txBody>
+      </p:sp>
+      <p:sp>
+        <p:nvSpPr>
+          <p:cNvPr id="43" name="Freeform: Shape 42">
+            <a:extLst>
+              <a:ext uri="{FF2B5EF4-FFF2-40B4-BE49-F238E27FC236}">
+                <a16:creationId xmlns:a16="http://schemas.microsoft.com/office/drawing/2014/main" id="{38FAA1A1-D861-433F-88FA-1E9D6FD31D11}"/>
+              </a:ext>
+              <a:ext uri="{C183D7F6-B498-43B3-948B-1728B52AA6E4}">
+                <adec:decorative xmlns:adec="http://schemas.microsoft.com/office/drawing/2017/decorative" val="1"/>
+              </a:ext>
+            </a:extLst>
+          </p:cNvPr>
+          <p:cNvSpPr>
+            <a:spLocks noGrp="1" noRot="1" noChangeAspect="1" noMove="1" noResize="1" noEditPoints="1" noAdjustHandles="1" noChangeArrowheads="1" noChangeShapeType="1" noTextEdit="1"/>
+          </p:cNvSpPr>
+          <p:nvPr>
+            <p:extLst>
+              <p:ext uri="{386F3935-93C4-4BCD-93E2-E3B085C9AB24}">
+                <p16:designElem xmlns:p16="http://schemas.microsoft.com/office/powerpoint/2015/main" val="1"/>
+              </p:ext>
+            </p:extLst>
+          </p:nvPr>
+        </p:nvSpPr>
+        <p:spPr>
+          <a:xfrm rot="20635413">
+            <a:off x="-501737" y="969718"/>
+            <a:ext cx="3900357" cy="4178958"/>
+          </a:xfrm>
+          <a:custGeom>
+            <a:avLst/>
+            <a:gdLst>
+              <a:gd name="connsiteX0" fmla="*/ 2432225 w 3900357"/>
+              <a:gd name="connsiteY0" fmla="*/ 93939 h 4178958"/>
+              <a:gd name="connsiteX1" fmla="*/ 3900357 w 3900357"/>
+              <a:gd name="connsiteY1" fmla="*/ 2089479 h 4178958"/>
+              <a:gd name="connsiteX2" fmla="*/ 1810878 w 3900357"/>
+              <a:gd name="connsiteY2" fmla="*/ 4178958 h 4178958"/>
+              <a:gd name="connsiteX3" fmla="*/ 78249 w 3900357"/>
+              <a:gd name="connsiteY3" fmla="*/ 3257727 h 4178958"/>
+              <a:gd name="connsiteX4" fmla="*/ 0 w 3900357"/>
+              <a:gd name="connsiteY4" fmla="*/ 3128923 h 4178958"/>
+              <a:gd name="connsiteX5" fmla="*/ 831324 w 3900357"/>
+              <a:gd name="connsiteY5" fmla="*/ 244281 h 4178958"/>
+              <a:gd name="connsiteX6" fmla="*/ 997559 w 3900357"/>
+              <a:gd name="connsiteY6" fmla="*/ 164202 h 4178958"/>
+              <a:gd name="connsiteX7" fmla="*/ 1810878 w 3900357"/>
+              <a:gd name="connsiteY7" fmla="*/ 0 h 4178958"/>
+              <a:gd name="connsiteX8" fmla="*/ 2432225 w 3900357"/>
+              <a:gd name="connsiteY8" fmla="*/ 93939 h 4178958"/>
+            </a:gdLst>
+            <a:ahLst/>
+            <a:cxnLst>
+              <a:cxn ang="0">
+                <a:pos x="connsiteX0" y="connsiteY0"/>
+              </a:cxn>
+              <a:cxn ang="0">
+                <a:pos x="connsiteX1" y="connsiteY1"/>
+              </a:cxn>
+              <a:cxn ang="0">
+                <a:pos x="connsiteX2" y="connsiteY2"/>
+              </a:cxn>
+              <a:cxn ang="0">
+                <a:pos x="connsiteX3" y="connsiteY3"/>
+              </a:cxn>
+              <a:cxn ang="0">
+                <a:pos x="connsiteX4" y="connsiteY4"/>
+              </a:cxn>
+              <a:cxn ang="0">
+                <a:pos x="connsiteX5" y="connsiteY5"/>
+              </a:cxn>
+              <a:cxn ang="0">
+                <a:pos x="connsiteX6" y="connsiteY6"/>
+              </a:cxn>
+              <a:cxn ang="0">
+                <a:pos x="connsiteX7" y="connsiteY7"/>
+              </a:cxn>
+              <a:cxn ang="0">
+                <a:pos x="connsiteX8" y="connsiteY8"/>
+              </a:cxn>
+            </a:cxnLst>
+            <a:rect l="l" t="t" r="r" b="b"/>
+            <a:pathLst>
+              <a:path w="3900357" h="4178958">
+                <a:moveTo>
+                  <a:pt x="2432225" y="93939"/>
+                </a:moveTo>
+                <a:cubicBezTo>
+                  <a:pt x="3282786" y="358491"/>
+                  <a:pt x="3900357" y="1151865"/>
+                  <a:pt x="3900357" y="2089479"/>
+                </a:cubicBezTo>
+                <a:cubicBezTo>
+                  <a:pt x="3900357" y="3243466"/>
+                  <a:pt x="2964865" y="4178958"/>
+                  <a:pt x="1810878" y="4178958"/>
+                </a:cubicBezTo>
+                <a:cubicBezTo>
+                  <a:pt x="1089636" y="4178958"/>
+                  <a:pt x="453744" y="3813531"/>
+                  <a:pt x="78249" y="3257727"/>
+                </a:cubicBezTo>
+                <a:lnTo>
+                  <a:pt x="0" y="3128923"/>
+                </a:lnTo>
+                <a:lnTo>
+                  <a:pt x="831324" y="244281"/>
+                </a:lnTo>
+                <a:lnTo>
+                  <a:pt x="997559" y="164202"/>
+                </a:lnTo>
+                <a:cubicBezTo>
+                  <a:pt x="1247540" y="58468"/>
+                  <a:pt x="1522381" y="0"/>
+                  <a:pt x="1810878" y="0"/>
+                </a:cubicBezTo>
+                <a:cubicBezTo>
+                  <a:pt x="2027251" y="0"/>
+                  <a:pt x="2235942" y="32888"/>
+                  <a:pt x="2432225" y="93939"/>
+                </a:cubicBezTo>
+                <a:close/>
+              </a:path>
+            </a:pathLst>
+          </a:custGeom>
+          <a:gradFill>
+            <a:gsLst>
+              <a:gs pos="29000">
+                <a:srgbClr val="000000">
+                  <a:alpha val="0"/>
+                </a:srgbClr>
+              </a:gs>
+              <a:gs pos="100000">
+                <a:schemeClr val="accent1">
+                  <a:alpha val="43000"/>
+                </a:schemeClr>
+              </a:gs>
+            </a:gsLst>
+            <a:lin ang="1800000" scaled="0"/>
+          </a:gradFill>
+          <a:ln>
+            <a:noFill/>
+          </a:ln>
+        </p:spPr>
+        <p:style>
+          <a:lnRef idx="2">
+            <a:schemeClr val="accent1">
+              <a:shade val="50000"/>
+            </a:schemeClr>
+          </a:lnRef>
+          <a:fillRef idx="1">
+            <a:schemeClr val="accent1"/>
+          </a:fillRef>
+          <a:effectRef idx="0">
+            <a:schemeClr val="accent1"/>
+          </a:effectRef>
+          <a:fontRef idx="minor">
+            <a:schemeClr val="lt1"/>
+          </a:fontRef>
+        </p:style>
+        <p:txBody>
+          <a:bodyPr wrap="square" rtlCol="0" anchor="ctr">
+            <a:noAutofit/>
+          </a:bodyPr>
+          <a:lstStyle/>
+          <a:p>
+            <a:pPr algn="ctr"/>
+            <a:endParaRPr lang="en-US" dirty="0"/>
+          </a:p>
+        </p:txBody>
+      </p:sp>
+      <p:sp>
+        <p:nvSpPr>
+          <p:cNvPr id="45" name="Rectangle 44">
+            <a:extLst>
+              <a:ext uri="{FF2B5EF4-FFF2-40B4-BE49-F238E27FC236}">
+                <a16:creationId xmlns:a16="http://schemas.microsoft.com/office/drawing/2014/main" id="{8D71EDA1-87BF-4D5D-AB79-F346FD19278A}"/>
+              </a:ext>
+              <a:ext uri="{C183D7F6-B498-43B3-948B-1728B52AA6E4}">
+                <adec:decorative xmlns:adec="http://schemas.microsoft.com/office/drawing/2017/decorative" val="1"/>
+              </a:ext>
+            </a:extLst>
+          </p:cNvPr>
+          <p:cNvSpPr>
+            <a:spLocks noGrp="1" noRot="1" noChangeAspect="1" noMove="1" noResize="1" noEditPoints="1" noAdjustHandles="1" noChangeArrowheads="1" noChangeShapeType="1" noTextEdit="1"/>
+          </p:cNvSpPr>
+          <p:nvPr>
+            <p:extLst>
+              <p:ext uri="{386F3935-93C4-4BCD-93E2-E3B085C9AB24}">
+                <p16:designElem xmlns:p16="http://schemas.microsoft.com/office/powerpoint/2015/main" val="1"/>
+              </p:ext>
+            </p:extLst>
+          </p:nvPr>
+        </p:nvSpPr>
+        <p:spPr>
+          <a:xfrm rot="5400000" flipH="1">
+            <a:off x="-1410093" y="1399943"/>
+            <a:ext cx="6858003" cy="4037835"/>
+          </a:xfrm>
+          <a:prstGeom prst="rect">
+            <a:avLst/>
+          </a:prstGeom>
+          <a:gradFill>
+            <a:gsLst>
+              <a:gs pos="0">
+                <a:srgbClr val="000000">
+                  <a:alpha val="0"/>
+                </a:srgbClr>
+              </a:gs>
+              <a:gs pos="99000">
+                <a:schemeClr val="accent1">
+                  <a:lumMod val="60000"/>
+                  <a:lumOff val="40000"/>
+                  <a:alpha val="11000"/>
+                </a:schemeClr>
+              </a:gs>
+            </a:gsLst>
+            <a:lin ang="7200000" scaled="0"/>
+          </a:gradFill>
+          <a:ln>
+            <a:noFill/>
+          </a:ln>
+        </p:spPr>
+        <p:style>
+          <a:lnRef idx="2">
+            <a:schemeClr val="accent1">
+              <a:shade val="50000"/>
+            </a:schemeClr>
+          </a:lnRef>
+          <a:fillRef idx="1">
+            <a:schemeClr val="accent1"/>
+          </a:fillRef>
+          <a:effectRef idx="0">
+            <a:schemeClr val="accent1"/>
+          </a:effectRef>
+          <a:fontRef idx="minor">
+            <a:schemeClr val="lt1"/>
+          </a:fontRef>
+        </p:style>
+        <p:txBody>
+          <a:bodyPr rtlCol="0" anchor="ctr"/>
+          <a:lstStyle/>
+          <a:p>
+            <a:pPr algn="ctr"/>
+            <a:endParaRPr lang="en-US"/>
+          </a:p>
+        </p:txBody>
+      </p:sp>
       <p:sp>
         <p:nvSpPr>
           <p:cNvPr id="3" name="Title 1">
@@ -17262,15 +17885,15 @@
         </p:nvSpPr>
         <p:spPr>
           <a:xfrm>
-            <a:off x="838200" y="365125"/>
-            <a:ext cx="10515600" cy="1325563"/>
+            <a:off x="466722" y="586855"/>
+            <a:ext cx="3201366" cy="3387497"/>
           </a:xfrm>
           <a:prstGeom prst="rect">
             <a:avLst/>
           </a:prstGeom>
         </p:spPr>
         <p:txBody>
-          <a:bodyPr vert="horz" lIns="91440" tIns="45720" rIns="91440" bIns="45720" rtlCol="0" anchor="ctr">
+          <a:bodyPr vert="horz" lIns="91440" tIns="45720" rIns="91440" bIns="45720" rtlCol="0" anchor="b">
             <a:normAutofit/>
           </a:bodyPr>
           <a:lstStyle>
@@ -17293,18 +17916,19 @@
             </a:lvl1pPr>
           </a:lstStyle>
           <a:p>
-            <a:pPr>
+            <a:pPr algn="r">
               <a:spcAft>
                 <a:spcPts val="600"/>
               </a:spcAft>
             </a:pPr>
             <a:r>
-              <a:rPr lang="en-US" sz="5400" b="1" kern="1200" dirty="0">
+              <a:rPr lang="en-US" sz="4000" b="1" kern="1200">
                 <a:solidFill>
-                  <a:schemeClr val="accent1"/>
+                  <a:srgbClr val="FFFFFF"/>
                 </a:solidFill>
-                <a:latin typeface="Times New Roman" panose="02020603050405020304" pitchFamily="18" charset="0"/>
-                <a:cs typeface="Times New Roman" panose="02020603050405020304" pitchFamily="18" charset="0"/>
+                <a:latin typeface="+mj-lt"/>
+                <a:ea typeface="+mj-ea"/>
+                <a:cs typeface="+mj-cs"/>
               </a:rPr>
               <a:t>Literature Survey</a:t>
             </a:r>
@@ -17327,15 +17951,15 @@
         </p:nvSpPr>
         <p:spPr>
           <a:xfrm>
-            <a:off x="426378" y="1587357"/>
-            <a:ext cx="11347806" cy="4905518"/>
+            <a:off x="4810259" y="1296461"/>
+            <a:ext cx="6555347" cy="4913443"/>
           </a:xfrm>
           <a:prstGeom prst="rect">
             <a:avLst/>
           </a:prstGeom>
         </p:spPr>
         <p:txBody>
-          <a:bodyPr vert="horz" lIns="91440" tIns="45720" rIns="91440" bIns="45720" rtlCol="0">
+          <a:bodyPr vert="horz" lIns="91440" tIns="45720" rIns="91440" bIns="45720" rtlCol="0" anchor="ctr">
             <a:noAutofit/>
           </a:bodyPr>
           <a:lstStyle>
@@ -17503,60 +18127,91 @@
             </a:lvl9pPr>
           </a:lstStyle>
           <a:p>
+            <a:pPr marL="0"/>
             <a:r>
-              <a:rPr lang="en-US" sz="2600" dirty="0"/>
-              <a:t>"Automatic Summarization Techniques for Online Meetings" by John Smith et al.</a:t>
+              <a:rPr lang="en-US" sz="1800" dirty="0"/>
+              <a:t>SR </a:t>
+            </a:r>
+            <a:r>
+              <a:rPr lang="en-US" sz="1800" dirty="0" err="1"/>
+              <a:t>Bharamagoudar</a:t>
+            </a:r>
+            <a:r>
+              <a:rPr lang="en-US" sz="1800" dirty="0"/>
+              <a:t>, RB Geeta, Web based Student Information Management System, International Journal of Advanced Research, 2342-2348, 2013</a:t>
             </a:r>
           </a:p>
           <a:p>
-            <a:pPr lvl="1"/>
+            <a:pPr marL="0" indent="0">
+              <a:buNone/>
+            </a:pPr>
             <a:r>
-              <a:rPr lang="en-US" sz="2600" dirty="0"/>
-              <a:t>This paper explores various automatic summarization techniques specifically applied to online meeting data, providing valuable insights into how Machine Learning can be utilized for note generation.</a:t>
+              <a:rPr lang="en-US" sz="1800" dirty="0"/>
+              <a:t>Student Information Management System (SIMS) provides a simple interface for maintenance of student information. It can be used by educational institutes or colleges to maintain the records of students easily. Student information system deals with all kind of student details, academic related reports, college details, course details, curriculum, batch details, placement details and other resource related details too.</a:t>
             </a:r>
+            <a:endParaRPr lang="en-US" sz="1800">
+              <a:cs typeface="Calibri"/>
+            </a:endParaRPr>
           </a:p>
           <a:p>
+            <a:pPr marL="0"/>
             <a:r>
-              <a:rPr lang="en-US" sz="2600" dirty="0"/>
-              <a:t>"Enhancing Online Learning with Intelligent Note-taking Systems" by Jane Doe.</a:t>
+              <a:rPr lang="en-US" sz="1800" dirty="0"/>
+              <a:t>L Moreno, G </a:t>
             </a:r>
+            <a:r>
+              <a:rPr lang="en-US" sz="1800" dirty="0" err="1"/>
+              <a:t>Bavota</a:t>
+            </a:r>
+            <a:r>
+              <a:rPr lang="en-US" sz="1800" dirty="0"/>
+              <a:t>, Automatic Generation of Release Notes, Proceeding of 22</a:t>
+            </a:r>
+            <a:r>
+              <a:rPr lang="en-US" sz="1800" baseline="30000" dirty="0"/>
+              <a:t>nd</a:t>
+            </a:r>
+            <a:r>
+              <a:rPr lang="en-US" sz="1800" dirty="0"/>
+              <a:t> ACM </a:t>
+            </a:r>
+            <a:r>
+              <a:rPr lang="en-US" sz="1800" dirty="0" err="1"/>
+              <a:t>Sigsoft</a:t>
+            </a:r>
+            <a:r>
+              <a:rPr lang="en-US" sz="1800" dirty="0"/>
+              <a:t> International Symposium on Foundations of Software Engineering, 484-495, 2014</a:t>
+            </a:r>
+            <a:endParaRPr lang="en-US" sz="1800">
+              <a:cs typeface="Calibri"/>
+            </a:endParaRPr>
           </a:p>
           <a:p>
-            <a:pPr lvl="1"/>
+            <a:pPr marL="0" indent="0">
+              <a:buNone/>
+            </a:pPr>
             <a:r>
-              <a:rPr lang="en-US" sz="2600" dirty="0"/>
-              <a:t>Jane Doe's research delves into the potential benefits of intelligent note-taking systems in the context of online learning, shedding light on how such systems can improve students' learning experience.</a:t>
+              <a:rPr lang="en-US" sz="1800" dirty="0"/>
+              <a:t>This paper introduces ARENA (Automatic Release Notes generator), an approach for the automatic generation of release notes. ARENA extracts changes from the source code, summarizes them, and integrates them with information from versioning systems and issue trackers. It was designed based on the manual analysis of 1,000 existing release notes.</a:t>
             </a:r>
+            <a:endParaRPr lang="en-US" sz="1800">
+              <a:cs typeface="Calibri"/>
+            </a:endParaRPr>
           </a:p>
           <a:p>
-            <a:r>
-              <a:rPr lang="en-US" sz="2600" dirty="0"/>
-              <a:t>"User-Friendly Interfaces for Educational Web Applications" by Michael Johnson.</a:t>
-            </a:r>
+            <a:pPr marL="0"/>
+            <a:endParaRPr lang="en-US" sz="1600"/>
           </a:p>
           <a:p>
-            <a:pPr lvl="1"/>
-            <a:r>
-              <a:rPr lang="en-US" sz="2600" dirty="0"/>
-              <a:t>This article focuses on the design principles and best practices for creating user-friendly interfaces in educational web applications, which aligns with </a:t>
-            </a:r>
-            <a:r>
-              <a:rPr lang="en-US" sz="2600" dirty="0" err="1"/>
-              <a:t>ClassSnap's</a:t>
-            </a:r>
-            <a:r>
-              <a:rPr lang="en-US" sz="2600" dirty="0"/>
-              <a:t> aim to provide a user-friendly platform for students.</a:t>
-            </a:r>
+            <a:pPr marL="0"/>
+            <a:endParaRPr lang="en-US" sz="1600"/>
           </a:p>
           <a:p>
-            <a:endParaRPr lang="en-US" sz="2600" dirty="0"/>
+            <a:endParaRPr lang="en-US" sz="1600"/>
           </a:p>
           <a:p>
-            <a:endParaRPr lang="en-US" sz="2600" dirty="0"/>
-          </a:p>
-          <a:p>
-            <a:endParaRPr lang="en-US" sz="2600" dirty="0"/>
+            <a:endParaRPr lang="en-US" sz="1600"/>
           </a:p>
         </p:txBody>
       </p:sp>
@@ -17576,8 +18231,8 @@
         </p:nvSpPr>
         <p:spPr>
           <a:xfrm>
-            <a:off x="838199" y="1825625"/>
-            <a:ext cx="10377489" cy="4351338"/>
+            <a:off x="3124199" y="2271323"/>
+            <a:ext cx="8450923" cy="3934395"/>
           </a:xfrm>
           <a:prstGeom prst="rect">
             <a:avLst/>
@@ -17827,7 +18482,7 @@
           <a:lstStyle/>
           <a:p>
             <a:r>
-              <a:rPr lang="en-US" altLang="en-US" sz="5400" b="1" dirty="0">
+              <a:rPr lang="en-US" altLang="en-US" sz="5400" b="1">
                 <a:solidFill>
                   <a:schemeClr val="accent1"/>
                 </a:solidFill>
@@ -17836,7 +18491,7 @@
               </a:rPr>
               <a:t>Problem Identification</a:t>
             </a:r>
-            <a:endParaRPr lang="en-IN" sz="5400" dirty="0"/>
+            <a:endParaRPr lang="en-IN" sz="5400"/>
           </a:p>
         </p:txBody>
       </p:sp>
@@ -17962,7 +18617,7 @@
               </a:spcAft>
             </a:pPr>
             <a:r>
-              <a:rPr lang="en-US" sz="5400" b="1" dirty="0">
+              <a:rPr lang="en-US" sz="5400" b="1">
                 <a:solidFill>
                   <a:srgbClr val="4472C4"/>
                 </a:solidFill>
@@ -17971,7 +18626,7 @@
               </a:rPr>
               <a:t>Methodology</a:t>
             </a:r>
-            <a:endParaRPr lang="en-US" sz="5400" kern="1200" dirty="0">
+            <a:endParaRPr lang="en-US" sz="5400" kern="1200">
               <a:solidFill>
                 <a:schemeClr val="tx1"/>
               </a:solidFill>
@@ -18103,7 +18758,7 @@
           <a:lstStyle/>
           <a:p>
             <a:r>
-              <a:rPr lang="en-US" sz="5400" b="1" dirty="0">
+              <a:rPr lang="en-US" sz="5400" b="1">
                 <a:solidFill>
                   <a:srgbClr val="4472C4"/>
                 </a:solidFill>
@@ -18237,35 +18892,35 @@
               <a:buNone/>
             </a:pPr>
             <a:r>
-              <a:rPr lang="en-US" dirty="0">
+              <a:rPr lang="en-US">
                 <a:ea typeface="+mn-lt"/>
                 <a:cs typeface="+mn-lt"/>
               </a:rPr>
               <a:t>   In conclusion, </a:t>
             </a:r>
             <a:r>
-              <a:rPr lang="en-US" b="1" dirty="0">
+              <a:rPr lang="en-US" b="1">
                 <a:ea typeface="+mn-lt"/>
                 <a:cs typeface="+mn-lt"/>
               </a:rPr>
               <a:t>ClassSnap </a:t>
             </a:r>
             <a:r>
-              <a:rPr lang="en-US" dirty="0">
+              <a:rPr lang="en-US">
                 <a:ea typeface="+mn-lt"/>
                 <a:cs typeface="+mn-lt"/>
               </a:rPr>
               <a:t>is a cutting-edge web application that revolutionizes online learning by harnessing the power of Machine Learning to intelligently summarize online meetings held on platforms like Google Meet. By automating the note-taking process, </a:t>
             </a:r>
             <a:r>
-              <a:rPr lang="en-US" b="1" dirty="0">
+              <a:rPr lang="en-US" b="1">
                 <a:ea typeface="+mn-lt"/>
                 <a:cs typeface="+mn-lt"/>
               </a:rPr>
               <a:t>ClassSnap </a:t>
             </a:r>
             <a:r>
-              <a:rPr lang="en-US" dirty="0">
+              <a:rPr lang="en-US">
                 <a:ea typeface="+mn-lt"/>
                 <a:cs typeface="+mn-lt"/>
               </a:rPr>
@@ -18276,7 +18931,7 @@
             <a:pPr>
               <a:buNone/>
             </a:pPr>
-            <a:endParaRPr lang="en-IN" dirty="0">
+            <a:endParaRPr lang="en-IN">
               <a:ea typeface="+mn-lt"/>
               <a:cs typeface="+mn-lt"/>
             </a:endParaRPr>
@@ -18315,7 +18970,7 @@
           <a:lstStyle/>
           <a:p>
             <a:r>
-              <a:rPr lang="en-US" sz="5400" b="1" dirty="0">
+              <a:rPr lang="en-US" sz="5400" b="1">
                 <a:solidFill>
                   <a:srgbClr val="4472C4"/>
                 </a:solidFill>
@@ -18379,8 +19034,8 @@
         </p:nvSpPr>
         <p:spPr>
           <a:xfrm>
-            <a:off x="838200" y="365125"/>
-            <a:ext cx="10515600" cy="1325563"/>
+            <a:off x="1010728" y="149465"/>
+            <a:ext cx="10343072" cy="1383072"/>
           </a:xfrm>
           <a:prstGeom prst="rect">
             <a:avLst/>
@@ -18411,9 +19066,9 @@
                 <a:solidFill>
                   <a:schemeClr val="accent1"/>
                 </a:solidFill>
-                <a:latin typeface="Times New Roman" panose="02020603050405020304" pitchFamily="18" charset="0"/>
+                <a:latin typeface="Times New Roman"/>
                 <a:ea typeface="+mj-ea"/>
-                <a:cs typeface="Times New Roman" panose="02020603050405020304" pitchFamily="18" charset="0"/>
+                <a:cs typeface="Times New Roman"/>
               </a:rPr>
               <a:t>References:</a:t>
             </a:r>
@@ -18436,15 +19091,15 @@
         </p:nvSpPr>
         <p:spPr>
           <a:xfrm>
-            <a:off x="838200" y="1929384"/>
-            <a:ext cx="10515600" cy="4251960"/>
+            <a:off x="751935" y="1541194"/>
+            <a:ext cx="11047563" cy="5200866"/>
           </a:xfrm>
           <a:prstGeom prst="rect">
             <a:avLst/>
           </a:prstGeom>
         </p:spPr>
         <p:txBody>
-          <a:bodyPr vert="horz" lIns="91440" tIns="45720" rIns="91440" bIns="45720" rtlCol="0">
+          <a:bodyPr vert="horz" lIns="91440" tIns="45720" rIns="91440" bIns="45720" rtlCol="0" anchor="t">
             <a:noAutofit/>
           </a:bodyPr>
           <a:lstStyle>
@@ -18612,57 +19267,166 @@
             </a:lvl9pPr>
           </a:lstStyle>
           <a:p>
-            <a:pPr marL="0"/>
+            <a:pPr>
+              <a:buNone/>
+            </a:pPr>
             <a:r>
-              <a:rPr lang="en-US" sz="2600" dirty="0"/>
-              <a:t>"An overview of the supervised machine learning methods" by Vladimir </a:t>
+              <a:rPr lang="en-US" sz="2400" dirty="0">
+                <a:latin typeface="Calibri"/>
+                <a:cs typeface="Times New Roman"/>
+              </a:rPr>
+              <a:t>[1] Rahul Joshi, S. </a:t>
             </a:r>
             <a:r>
-              <a:rPr lang="en-US" sz="2600" dirty="0" err="1"/>
-              <a:t>Nasteski</a:t>
+              <a:rPr lang="en-US" sz="2400" err="1">
+                <a:latin typeface="Calibri"/>
+                <a:cs typeface="Times New Roman"/>
+              </a:rPr>
+              <a:t>Gojare</a:t>
             </a:r>
             <a:r>
-              <a:rPr lang="en-US" sz="2600" dirty="0"/>
-              <a:t> provides insights into various supervised ML techniques and their applications.</a:t>
+              <a:rPr lang="en-US" sz="2400" dirty="0">
+                <a:latin typeface="Calibri"/>
+                <a:cs typeface="Times New Roman"/>
+              </a:rPr>
+              <a:t>, Analysis and Design of Selenium WebDriver Automation Testing Framework, Published in Procedia Computer Science 50, 341-346, Elsevier, 2015</a:t>
             </a:r>
+            <a:endParaRPr lang="en-US" sz="2400">
+              <a:latin typeface="Calibri"/>
+              <a:cs typeface="Calibri"/>
+            </a:endParaRPr>
           </a:p>
           <a:p>
-            <a:pPr marL="0"/>
+            <a:pPr>
+              <a:buNone/>
+            </a:pPr>
             <a:r>
-              <a:rPr lang="en-US" sz="2600" dirty="0"/>
-              <a:t>Rahul Joshi's article discusses the "Analysis and Design of Selenium WebDriver Automation Testing Framework," covering its architecture and practical considerations.</a:t>
+              <a:rPr lang="en-US" sz="2400" dirty="0">
+                <a:latin typeface="Calibri"/>
+                <a:cs typeface="Times New Roman"/>
+              </a:rPr>
+              <a:t>[2] SR </a:t>
             </a:r>
+            <a:r>
+              <a:rPr lang="en-US" sz="2400" err="1">
+                <a:latin typeface="Calibri"/>
+                <a:cs typeface="Times New Roman"/>
+              </a:rPr>
+              <a:t>Bharamagoudar</a:t>
+            </a:r>
+            <a:r>
+              <a:rPr lang="en-US" sz="2400" dirty="0">
+                <a:latin typeface="Calibri"/>
+                <a:cs typeface="Times New Roman"/>
+              </a:rPr>
+              <a:t>, RB Geeta, Web based Student Information Management System, International Journal of Advanced Research, 2342-2348, 2013</a:t>
+            </a:r>
+            <a:endParaRPr lang="en-US" sz="2400">
+              <a:latin typeface="Calibri"/>
+              <a:cs typeface="Calibri"/>
+            </a:endParaRPr>
           </a:p>
           <a:p>
-            <a:pPr marL="0"/>
+            <a:pPr>
+              <a:buNone/>
+            </a:pPr>
             <a:r>
-              <a:rPr lang="en-US" sz="2600" dirty="0" err="1"/>
-              <a:t>GeeksforGeeks</a:t>
+              <a:rPr lang="en-US" sz="2400" dirty="0">
+                <a:latin typeface="Calibri"/>
+                <a:cs typeface="Times New Roman"/>
+              </a:rPr>
+              <a:t>[3] L Moreno, G </a:t>
             </a:r>
             <a:r>
-              <a:rPr lang="en-US" sz="2600" dirty="0"/>
-              <a:t> (</a:t>
+              <a:rPr lang="en-US" sz="2400" err="1">
+                <a:latin typeface="Calibri"/>
+                <a:cs typeface="Times New Roman"/>
+              </a:rPr>
+              <a:t>Bavota</a:t>
             </a:r>
             <a:r>
-              <a:rPr lang="en-US" sz="2600" dirty="0">
-                <a:hlinkClick r:id="rId2"/>
+              <a:rPr lang="en-US" sz="2400" dirty="0">
+                <a:latin typeface="Calibri"/>
+                <a:cs typeface="Times New Roman"/>
               </a:rPr>
-              <a:t>https://geeksforgeeks.org/</a:t>
+              <a:t>, Automatic Generation of Release Notes, Proceeding of 22</a:t>
             </a:r>
             <a:r>
-              <a:rPr lang="en-US" sz="2600" dirty="0"/>
-              <a:t>) is a reliable online platform with a wide range of computer science-related tutorials and coding examples.</a:t>
+              <a:rPr lang="en-US" sz="2400" baseline="30000" dirty="0">
+                <a:latin typeface="Calibri"/>
+                <a:cs typeface="Times New Roman"/>
+              </a:rPr>
+              <a:t>nd</a:t>
             </a:r>
+            <a:r>
+              <a:rPr lang="en-US" sz="2400" dirty="0">
+                <a:latin typeface="Calibri"/>
+                <a:cs typeface="Times New Roman"/>
+              </a:rPr>
+              <a:t> ACM </a:t>
+            </a:r>
+            <a:r>
+              <a:rPr lang="en-US" sz="2400" err="1">
+                <a:latin typeface="Calibri"/>
+                <a:cs typeface="Times New Roman"/>
+              </a:rPr>
+              <a:t>Sigsoft</a:t>
+            </a:r>
+            <a:r>
+              <a:rPr lang="en-US" sz="2400" dirty="0">
+                <a:latin typeface="Calibri"/>
+                <a:cs typeface="Times New Roman"/>
+              </a:rPr>
+              <a:t> International Symposium on Foundations of Software Engineering, 484-495, 2014</a:t>
+            </a:r>
+            <a:endParaRPr lang="en-US" sz="2400">
+              <a:latin typeface="Calibri"/>
+              <a:cs typeface="Calibri"/>
+            </a:endParaRPr>
           </a:p>
           <a:p>
-            <a:pPr marL="0"/>
+            <a:pPr marL="0" indent="0">
+              <a:buNone/>
+            </a:pPr>
             <a:r>
-              <a:rPr lang="en-US" sz="2600" dirty="0"/>
-              <a:t>The comparative study published by IEEE evaluates MongoDB vs. MySQL databases, focusing on performance, scalability, and use cases.</a:t>
+              <a:rPr lang="en-US" sz="2400" dirty="0">
+                <a:latin typeface="Calibri"/>
+                <a:cs typeface="Times New Roman"/>
+              </a:rPr>
+              <a:t>[4] </a:t>
             </a:r>
-          </a:p>
-          <a:p>
-            <a:endParaRPr lang="en-US" sz="2600" dirty="0"/>
+            <a:r>
+              <a:rPr lang="en-US" sz="2400" err="1">
+                <a:latin typeface="Calibri"/>
+                <a:cs typeface="Times New Roman"/>
+              </a:rPr>
+              <a:t>Parachuri</a:t>
+            </a:r>
+            <a:r>
+              <a:rPr lang="en-US" sz="2400" dirty="0">
+                <a:latin typeface="Calibri"/>
+                <a:cs typeface="Times New Roman"/>
+              </a:rPr>
+              <a:t> Ramya, Vemuri Sindhura, P Vidya, Testing using Selenium Web Driver, 2017 2</a:t>
+            </a:r>
+            <a:r>
+              <a:rPr lang="en-US" sz="2400" baseline="30000" dirty="0">
+                <a:latin typeface="Calibri"/>
+                <a:cs typeface="Times New Roman"/>
+              </a:rPr>
+              <a:t>nd</a:t>
+            </a:r>
+            <a:r>
+              <a:rPr lang="en-US" sz="2400" dirty="0">
+                <a:latin typeface="Calibri"/>
+                <a:cs typeface="Times New Roman"/>
+              </a:rPr>
+              <a:t> ICECCT, 1-7, 2017</a:t>
+            </a:r>
+            <a:endParaRPr lang="en-US" sz="2400">
+              <a:latin typeface="Calibri"/>
+              <a:cs typeface="Calibri"/>
+            </a:endParaRPr>
           </a:p>
         </p:txBody>
       </p:sp>
@@ -18682,7 +19446,7 @@
         </p:nvSpPr>
         <p:spPr>
           <a:xfrm>
-            <a:off x="838200" y="1825625"/>
+            <a:off x="1010728" y="1796870"/>
             <a:ext cx="10515600" cy="4351338"/>
           </a:xfrm>
           <a:prstGeom prst="rect">
